--- a/01_Objekti/JavaScript_01_Objekti.pptx
+++ b/01_Objekti/JavaScript_01_Objekti.pptx
@@ -4411,8 +4411,17 @@
             <a:pPr lvl="1"/>
             <a:r>
               <a:rPr lang="sr-Latn-RS" dirty="0" smtClean="0"/>
-              <a:t>Mogu da imaju katastrofalne posledice po aplikaciju i treba ih izbegavati kad god je to moguće</a:t>
-            </a:r>
+              <a:t>Mogu da imaju katastrofalne posledice po aplikaciju i treba ih izbegavati kad god je to </a:t>
+            </a:r>
+            <a:r>
+              <a:rPr lang="sr-Latn-RS" dirty="0" smtClean="0"/>
+              <a:t>moguće</a:t>
+            </a:r>
+            <a:r>
+              <a:rPr lang="en-GB" smtClean="0"/>
+              <a:t> </a:t>
+            </a:r>
+            <a:endParaRPr lang="sr-Latn-RS" dirty="0" smtClean="0"/>
           </a:p>
         </p:txBody>
       </p:sp>
